--- a/Dokumentation/BigDataGebhartWerner.pptx
+++ b/Dokumentation/BigDataGebhartWerner.pptx
@@ -124,6 +124,11 @@
       </a:defRPr>
     </a:lvl9pPr>
   </p:defaultTextStyle>
+  <p:extLst>
+    <p:ext uri="{EFAFB233-063F-42B5-8137-9DF3F51BA10A}">
+      <p15:sldGuideLst xmlns:p15="http://schemas.microsoft.com/office/powerpoint/2012/main"/>
+    </p:ext>
+  </p:extLst>
 </p:presentation>
 </file>
 
@@ -209,7 +214,7 @@
           <a:p>
             <a:fld id="{33CC8F82-9309-401F-A726-27CFC1F044EC}" type="datetimeFigureOut">
               <a:rPr lang="de-AT" smtClean="0"/>
-              <a:t>13.01.2026</a:t>
+              <a:t>15.01.2026</a:t>
             </a:fld>
             <a:endParaRPr lang="de-AT"/>
           </a:p>
@@ -710,7 +715,7 @@
           <a:p>
             <a:fld id="{D1DF9918-6D8F-4E2D-A460-7992F40A49AF}" type="datetimeFigureOut">
               <a:rPr lang="de-AT" smtClean="0"/>
-              <a:t>13.01.2026</a:t>
+              <a:t>15.01.2026</a:t>
             </a:fld>
             <a:endParaRPr lang="de-AT"/>
           </a:p>
@@ -910,7 +915,7 @@
           <a:p>
             <a:fld id="{D1DF9918-6D8F-4E2D-A460-7992F40A49AF}" type="datetimeFigureOut">
               <a:rPr lang="de-AT" smtClean="0"/>
-              <a:t>13.01.2026</a:t>
+              <a:t>15.01.2026</a:t>
             </a:fld>
             <a:endParaRPr lang="de-AT"/>
           </a:p>
@@ -1120,7 +1125,7 @@
           <a:p>
             <a:fld id="{D1DF9918-6D8F-4E2D-A460-7992F40A49AF}" type="datetimeFigureOut">
               <a:rPr lang="de-AT" smtClean="0"/>
-              <a:t>13.01.2026</a:t>
+              <a:t>15.01.2026</a:t>
             </a:fld>
             <a:endParaRPr lang="de-AT"/>
           </a:p>
@@ -1320,7 +1325,7 @@
           <a:p>
             <a:fld id="{D1DF9918-6D8F-4E2D-A460-7992F40A49AF}" type="datetimeFigureOut">
               <a:rPr lang="de-AT" smtClean="0"/>
-              <a:t>13.01.2026</a:t>
+              <a:t>15.01.2026</a:t>
             </a:fld>
             <a:endParaRPr lang="de-AT"/>
           </a:p>
@@ -1596,7 +1601,7 @@
           <a:p>
             <a:fld id="{D1DF9918-6D8F-4E2D-A460-7992F40A49AF}" type="datetimeFigureOut">
               <a:rPr lang="de-AT" smtClean="0"/>
-              <a:t>13.01.2026</a:t>
+              <a:t>15.01.2026</a:t>
             </a:fld>
             <a:endParaRPr lang="de-AT"/>
           </a:p>
@@ -1864,7 +1869,7 @@
           <a:p>
             <a:fld id="{D1DF9918-6D8F-4E2D-A460-7992F40A49AF}" type="datetimeFigureOut">
               <a:rPr lang="de-AT" smtClean="0"/>
-              <a:t>13.01.2026</a:t>
+              <a:t>15.01.2026</a:t>
             </a:fld>
             <a:endParaRPr lang="de-AT"/>
           </a:p>
@@ -2279,7 +2284,7 @@
           <a:p>
             <a:fld id="{D1DF9918-6D8F-4E2D-A460-7992F40A49AF}" type="datetimeFigureOut">
               <a:rPr lang="de-AT" smtClean="0"/>
-              <a:t>13.01.2026</a:t>
+              <a:t>15.01.2026</a:t>
             </a:fld>
             <a:endParaRPr lang="de-AT"/>
           </a:p>
@@ -2421,7 +2426,7 @@
           <a:p>
             <a:fld id="{D1DF9918-6D8F-4E2D-A460-7992F40A49AF}" type="datetimeFigureOut">
               <a:rPr lang="de-AT" smtClean="0"/>
-              <a:t>13.01.2026</a:t>
+              <a:t>15.01.2026</a:t>
             </a:fld>
             <a:endParaRPr lang="de-AT"/>
           </a:p>
@@ -2534,7 +2539,7 @@
           <a:p>
             <a:fld id="{D1DF9918-6D8F-4E2D-A460-7992F40A49AF}" type="datetimeFigureOut">
               <a:rPr lang="de-AT" smtClean="0"/>
-              <a:t>13.01.2026</a:t>
+              <a:t>15.01.2026</a:t>
             </a:fld>
             <a:endParaRPr lang="de-AT"/>
           </a:p>
@@ -2847,7 +2852,7 @@
           <a:p>
             <a:fld id="{D1DF9918-6D8F-4E2D-A460-7992F40A49AF}" type="datetimeFigureOut">
               <a:rPr lang="de-AT" smtClean="0"/>
-              <a:t>13.01.2026</a:t>
+              <a:t>15.01.2026</a:t>
             </a:fld>
             <a:endParaRPr lang="de-AT"/>
           </a:p>
@@ -3136,7 +3141,7 @@
           <a:p>
             <a:fld id="{D1DF9918-6D8F-4E2D-A460-7992F40A49AF}" type="datetimeFigureOut">
               <a:rPr lang="de-AT" smtClean="0"/>
-              <a:t>13.01.2026</a:t>
+              <a:t>15.01.2026</a:t>
             </a:fld>
             <a:endParaRPr lang="de-AT"/>
           </a:p>
@@ -3379,7 +3384,7 @@
           <a:p>
             <a:fld id="{D1DF9918-6D8F-4E2D-A460-7992F40A49AF}" type="datetimeFigureOut">
               <a:rPr lang="de-AT" smtClean="0"/>
-              <a:t>13.01.2026</a:t>
+              <a:t>15.01.2026</a:t>
             </a:fld>
             <a:endParaRPr lang="de-AT"/>
           </a:p>
@@ -5193,7 +5198,7 @@
       </p:sp>
       <p:pic>
         <p:nvPicPr>
-          <p:cNvPr id="5" name="Inhaltsplatzhalter 4" descr="Ein Bild, das Screenshot, Farbigkeit, Text, Quadrat enthält.&#10;&#10;KI-generierte Inhalte können fehlerhaft sein.">
+          <p:cNvPr id="5" name="Inhaltsplatzhalter 4">
             <a:extLst>
               <a:ext uri="{FF2B5EF4-FFF2-40B4-BE49-F238E27FC236}">
                 <a16:creationId xmlns:a16="http://schemas.microsoft.com/office/drawing/2014/main" id="{0ED1B5B4-409A-4CDA-85D2-0FA93BB3A6DA}"/>
@@ -5215,9 +5220,8 @@
               </a:ext>
             </a:extLst>
           </a:blip>
-          <a:stretch>
-            <a:fillRect/>
-          </a:stretch>
+          <a:srcRect/>
+          <a:stretch/>
         </p:blipFill>
         <p:spPr>
           <a:xfrm>
@@ -9733,14 +9737,14 @@
           <a:lstStyle/>
           <a:p>
             <a:r>
-              <a:rPr lang="de-AT" sz="2000" b="1"/>
+              <a:rPr lang="de-AT" sz="2000" b="1" dirty="0"/>
               <a:t>Schadstoffe: </a:t>
             </a:r>
           </a:p>
           <a:p>
             <a:pPr lvl="1"/>
             <a:r>
-              <a:rPr lang="de-AT" sz="2000"/>
+              <a:rPr lang="de-AT" sz="2000" dirty="0"/>
               <a:t>NOX, SO2, NMVOC, NH3, PM2.5</a:t>
             </a:r>
           </a:p>
@@ -9754,7 +9758,7 @@
           <a:p>
             <a:pPr lvl="1"/>
             <a:r>
-              <a:rPr lang="de-AT" sz="2000"/>
+              <a:rPr lang="de-AT" sz="2000" dirty="0"/>
               <a:t>Durchschnitt Jahr, Bundesländer</a:t>
             </a:r>
           </a:p>
@@ -9766,22 +9770,15 @@
             </a:r>
           </a:p>
           <a:p>
-            <a:pPr lvl="2"/>
-            <a:r>
-              <a:rPr lang="de-AT" dirty="0"/>
-              <a:t>Fehlende Bundesländer ( Nieder- Oberösterreich, Kärnten)</a:t>
-            </a:r>
-          </a:p>
-          <a:p>
-            <a:r>
-              <a:rPr lang="de-AT" sz="2000" b="1"/>
+            <a:r>
+              <a:rPr lang="de-AT" sz="2000" b="1" dirty="0"/>
               <a:t>Verkehrsteilnehmer: </a:t>
             </a:r>
           </a:p>
           <a:p>
             <a:pPr lvl="1"/>
             <a:r>
-              <a:rPr lang="de-AT" sz="2000"/>
+              <a:rPr lang="de-AT" sz="2000" dirty="0"/>
               <a:t>PKWs, Kombis</a:t>
             </a:r>
           </a:p>
@@ -9795,7 +9792,7 @@
           <a:p>
             <a:pPr lvl="1"/>
             <a:r>
-              <a:rPr lang="de-AT" sz="2000"/>
+              <a:rPr lang="de-AT" sz="2000" dirty="0"/>
               <a:t>Jahr, Bundesland</a:t>
             </a:r>
           </a:p>
@@ -9807,7 +9804,7 @@
             </a:r>
           </a:p>
           <a:p>
-            <a:endParaRPr lang="de-AT" sz="2000"/>
+            <a:endParaRPr lang="de-AT" sz="2000" dirty="0"/>
           </a:p>
         </p:txBody>
       </p:sp>
